--- a/english/My God is so big.pptx
+++ b/english/My God is so big.pptx
@@ -8,6 +8,7 @@
     <p:sldId id="256" r:id="rId2"/>
     <p:sldId id="257" r:id="rId3"/>
     <p:sldId id="258" r:id="rId4"/>
+    <p:sldId id="259" r:id="rId5"/>
   </p:sldIdLst>
   <p:sldSz cx="12192000" cy="6858000"/>
   <p:notesSz cx="6858000" cy="9144000"/>
@@ -203,7 +204,7 @@
           <a:blip r:embed="rId2">
             <a:extLst>
               <a:ext uri="{28A0092B-C50C-407E-A947-70E740481C1C}">
-                <a14:useLocalDpi xmlns:a14="http://schemas.microsoft.com/office/drawing/2010/main" xmlns="" val="0"/>
+                <a14:useLocalDpi xmlns="" xmlns:a14="http://schemas.microsoft.com/office/drawing/2010/main" val="0"/>
               </a:ext>
             </a:extLst>
           </a:blip>
@@ -399,7 +400,7 @@
             <a:fld id="{B61BEF0D-F0BB-DE4B-95CE-6DB70DBA9567}" type="datetimeFigureOut">
               <a:rPr lang="en-US" dirty="0"/>
               <a:pPr/>
-              <a:t>3/6/2019</a:t>
+              <a:t>3/12/2019</a:t>
             </a:fld>
             <a:endParaRPr lang="en-US" dirty="0"/>
           </a:p>
@@ -620,7 +621,7 @@
             <a:fld id="{B61BEF0D-F0BB-DE4B-95CE-6DB70DBA9567}" type="datetimeFigureOut">
               <a:rPr lang="en-US" dirty="0"/>
               <a:pPr/>
-              <a:t>3/6/2019</a:t>
+              <a:t>3/12/2019</a:t>
             </a:fld>
             <a:endParaRPr lang="en-US" dirty="0"/>
           </a:p>
@@ -1118,7 +1119,7 @@
           <p:cNvPr id="2" name="Title 1">
             <a:extLst>
               <a:ext uri="{FF2B5EF4-FFF2-40B4-BE49-F238E27FC236}">
-                <a16:creationId xmlns:a16="http://schemas.microsoft.com/office/drawing/2014/main" xmlns="" id="{E03F7D60-2441-C640-B32E-1FDFFDA2050E}"/>
+                <a16:creationId xmlns="" xmlns:a16="http://schemas.microsoft.com/office/drawing/2014/main" id="{E03F7D60-2441-C640-B32E-1FDFFDA2050E}"/>
               </a:ext>
             </a:extLst>
           </p:cNvPr>
@@ -1228,15 +1229,22 @@
             </a:br>
             <a:r>
               <a:rPr lang="en-US" dirty="0" smtClean="0"/>
-              <a:t>there’s nothing that </a:t>
-            </a:r>
-            <a:r>
-              <a:rPr lang="en-US" dirty="0" smtClean="0"/>
-              <a:t>  MY GOD </a:t>
-            </a:r>
-            <a:r>
-              <a:rPr lang="en-US" dirty="0" smtClean="0"/>
-              <a:t>cannot  do </a:t>
+              <a:t>there’s </a:t>
+            </a:r>
+            <a:r>
+              <a:rPr lang="en-US" dirty="0" smtClean="0"/>
+              <a:t>nothing   </a:t>
+            </a:r>
+            <a:br>
+              <a:rPr lang="en-US" dirty="0" smtClean="0"/>
+            </a:br>
+            <a:r>
+              <a:rPr lang="en-US" dirty="0" smtClean="0"/>
+              <a:t>MY </a:t>
+            </a:r>
+            <a:r>
+              <a:rPr lang="en-US" dirty="0" smtClean="0"/>
+              <a:t>GOD cannot  do </a:t>
             </a:r>
             <a:br>
               <a:rPr lang="en-US" dirty="0" smtClean="0"/>
@@ -1254,7 +1262,7 @@
           <p:cNvPr id="3" name="Subtitle 2">
             <a:extLst>
               <a:ext uri="{FF2B5EF4-FFF2-40B4-BE49-F238E27FC236}">
-                <a16:creationId xmlns:a16="http://schemas.microsoft.com/office/drawing/2014/main" xmlns="" id="{07A48807-8C82-AF48-A7E3-8E81F6856DBB}"/>
+                <a16:creationId xmlns="" xmlns:a16="http://schemas.microsoft.com/office/drawing/2014/main" id="{07A48807-8C82-AF48-A7E3-8E81F6856DBB}"/>
               </a:ext>
             </a:extLst>
           </p:cNvPr>
@@ -1296,7 +1304,7 @@
     </p:spTree>
     <p:extLst>
       <p:ext uri="{BB962C8B-B14F-4D97-AF65-F5344CB8AC3E}">
-        <p14:creationId xmlns:p14="http://schemas.microsoft.com/office/powerpoint/2010/main" xmlns="" val="494716590"/>
+        <p14:creationId xmlns="" xmlns:p14="http://schemas.microsoft.com/office/powerpoint/2010/main" val="494716590"/>
       </p:ext>
     </p:extLst>
   </p:cSld>
@@ -1523,11 +1531,7 @@
             </a:r>
             <a:r>
               <a:rPr lang="en-US" altLang="zh-TW" sz="4000" dirty="0" smtClean="0"/>
-              <a:t> 						There</a:t>
-            </a:r>
-            <a:r>
-              <a:rPr lang="en-US" altLang="zh-TW" sz="4000" dirty="0" smtClean="0"/>
-              <a:t>: ở </a:t>
+              <a:t> 						There: ở </a:t>
             </a:r>
             <a:r>
               <a:rPr lang="en-US" altLang="zh-TW" sz="4000" dirty="0" err="1" smtClean="0"/>
@@ -1747,6 +1751,35 @@
           <a:bodyPr/>
           <a:lstStyle/>
           <a:p>
+            <a:pPr algn="ctr"/>
+            <a:r>
+              <a:rPr lang="en-US" altLang="zh-TW" dirty="0" smtClean="0"/>
+              <a:t>The rivers are his </a:t>
+            </a:r>
+            <a:br>
+              <a:rPr lang="en-US" altLang="zh-TW" dirty="0" smtClean="0"/>
+            </a:br>
+            <a:r>
+              <a:rPr lang="en-US" altLang="zh-TW" dirty="0" smtClean="0"/>
+              <a:t>the mountains are his </a:t>
+            </a:r>
+            <a:br>
+              <a:rPr lang="en-US" altLang="zh-TW" dirty="0" smtClean="0"/>
+            </a:br>
+            <a:r>
+              <a:rPr lang="en-US" altLang="zh-TW" dirty="0" smtClean="0"/>
+              <a:t>the stars are his handiwork too</a:t>
+            </a:r>
+            <a:br>
+              <a:rPr lang="en-US" altLang="zh-TW" dirty="0" smtClean="0"/>
+            </a:br>
+            <a:r>
+              <a:rPr lang="en-US" altLang="zh-TW" dirty="0" smtClean="0"/>
+              <a:t/>
+            </a:r>
+            <a:br>
+              <a:rPr lang="en-US" altLang="zh-TW" dirty="0" smtClean="0"/>
+            </a:br>
             <a:endParaRPr lang="zh-TW" altLang="en-US" dirty="0"/>
           </a:p>
         </p:txBody>
@@ -1756,6 +1789,159 @@
   <p:clrMapOvr>
     <a:masterClrMapping/>
   </p:clrMapOvr>
+  <p:timing>
+    <p:tnLst>
+      <p:par>
+        <p:cTn id="1" dur="indefinite" restart="never" nodeType="tmRoot"/>
+      </p:par>
+    </p:tnLst>
+  </p:timing>
+</p:sld>
+</file>
+
+<file path=ppt/slides/slide4.xml><?xml version="1.0" encoding="utf-8"?>
+<p:sld xmlns:a="http://schemas.openxmlformats.org/drawingml/2006/main" xmlns:r="http://schemas.openxmlformats.org/officeDocument/2006/relationships" xmlns:p="http://schemas.openxmlformats.org/presentationml/2006/main">
+  <p:cSld>
+    <p:spTree>
+      <p:nvGrpSpPr>
+        <p:cNvPr id="1" name=""/>
+        <p:cNvGrpSpPr/>
+        <p:nvPr/>
+      </p:nvGrpSpPr>
+      <p:grpSpPr>
+        <a:xfrm>
+          <a:off x="0" y="0"/>
+          <a:ext cx="0" cy="0"/>
+          <a:chOff x="0" y="0"/>
+          <a:chExt cx="0" cy="0"/>
+        </a:xfrm>
+      </p:grpSpPr>
+      <p:sp>
+        <p:nvSpPr>
+          <p:cNvPr id="2" name="標題 1"/>
+          <p:cNvSpPr>
+            <a:spLocks noGrp="1"/>
+          </p:cNvSpPr>
+          <p:nvPr>
+            <p:ph type="ctrTitle"/>
+          </p:nvPr>
+        </p:nvSpPr>
+        <p:spPr>
+          <a:xfrm>
+            <a:off x="1666844" y="1428736"/>
+            <a:ext cx="9493281" cy="4786346"/>
+          </a:xfrm>
+        </p:spPr>
+        <p:txBody>
+          <a:bodyPr>
+            <a:normAutofit/>
+          </a:bodyPr>
+          <a:lstStyle/>
+          <a:p>
+            <a:pPr algn="ctr"/>
+            <a:r>
+              <a:rPr lang="en-US" altLang="zh-TW" dirty="0" smtClean="0"/>
+              <a:t>River: </a:t>
+            </a:r>
+            <a:r>
+              <a:rPr lang="en-US" altLang="zh-TW" dirty="0" err="1" smtClean="0"/>
+              <a:t>sông</a:t>
+            </a:r>
+            <a:r>
+              <a:rPr lang="en-US" altLang="zh-TW" dirty="0" smtClean="0"/>
+              <a:t/>
+            </a:r>
+            <a:br>
+              <a:rPr lang="en-US" altLang="zh-TW" dirty="0" smtClean="0"/>
+            </a:br>
+            <a:r>
+              <a:rPr lang="en-US" altLang="zh-TW" dirty="0" smtClean="0"/>
+              <a:t>mountain: </a:t>
+            </a:r>
+            <a:r>
+              <a:rPr lang="en-US" altLang="zh-TW" dirty="0" err="1" smtClean="0"/>
+              <a:t>núi</a:t>
+            </a:r>
+            <a:r>
+              <a:rPr lang="en-US" altLang="zh-TW" dirty="0" smtClean="0"/>
+              <a:t/>
+            </a:r>
+            <a:br>
+              <a:rPr lang="en-US" altLang="zh-TW" dirty="0" smtClean="0"/>
+            </a:br>
+            <a:r>
+              <a:rPr lang="en-US" altLang="zh-TW" dirty="0" err="1" smtClean="0"/>
+              <a:t>star:ngôi</a:t>
+            </a:r>
+            <a:r>
+              <a:rPr lang="en-US" altLang="zh-TW" dirty="0" smtClean="0"/>
+              <a:t> </a:t>
+            </a:r>
+            <a:r>
+              <a:rPr lang="en-US" altLang="zh-TW" dirty="0" err="1" smtClean="0"/>
+              <a:t>sao</a:t>
+            </a:r>
+            <a:r>
+              <a:rPr lang="en-US" altLang="zh-TW" dirty="0" smtClean="0"/>
+              <a:t/>
+            </a:r>
+            <a:br>
+              <a:rPr lang="en-US" altLang="zh-TW" dirty="0" smtClean="0"/>
+            </a:br>
+            <a:r>
+              <a:rPr lang="en-US" altLang="zh-TW" dirty="0" smtClean="0"/>
+              <a:t>handiwork: </a:t>
+            </a:r>
+            <a:r>
+              <a:rPr lang="en-US" altLang="zh-TW" dirty="0" err="1" smtClean="0"/>
+              <a:t>làm</a:t>
+            </a:r>
+            <a:r>
+              <a:rPr lang="en-US" altLang="zh-TW" dirty="0" smtClean="0"/>
+              <a:t> </a:t>
+            </a:r>
+            <a:r>
+              <a:rPr lang="en-US" altLang="zh-TW" dirty="0" err="1" smtClean="0"/>
+              <a:t>bằng</a:t>
+            </a:r>
+            <a:r>
+              <a:rPr lang="en-US" altLang="zh-TW" dirty="0" smtClean="0"/>
+              <a:t> </a:t>
+            </a:r>
+            <a:r>
+              <a:rPr lang="en-US" altLang="zh-TW" dirty="0" err="1" smtClean="0"/>
+              <a:t>tay</a:t>
+            </a:r>
+            <a:r>
+              <a:rPr lang="en-US" altLang="zh-TW" dirty="0" smtClean="0"/>
+              <a:t/>
+            </a:r>
+            <a:br>
+              <a:rPr lang="en-US" altLang="zh-TW" dirty="0" smtClean="0"/>
+            </a:br>
+            <a:r>
+              <a:rPr lang="en-US" altLang="zh-TW" dirty="0" smtClean="0"/>
+              <a:t/>
+            </a:r>
+            <a:br>
+              <a:rPr lang="en-US" altLang="zh-TW" dirty="0" smtClean="0"/>
+            </a:br>
+            <a:endParaRPr lang="zh-TW" altLang="en-US" dirty="0"/>
+          </a:p>
+        </p:txBody>
+      </p:sp>
+    </p:spTree>
+  </p:cSld>
+  <p:clrMapOvr>
+    <a:masterClrMapping/>
+  </p:clrMapOvr>
+  <p:timing>
+    <p:tnLst>
+      <p:par>
+        <p:cTn id="1" dur="indefinite" restart="never" nodeType="tmRoot"/>
+      </p:par>
+    </p:tnLst>
+  </p:timing>
 </p:sld>
 </file>
 
@@ -2002,7 +2188,7 @@
   <a:extraClrSchemeLst/>
   <a:extLst>
     <a:ext uri="{05A4C25C-085E-4340-85A3-A5531E510DB2}">
-      <thm15:themeFamily xmlns:thm15="http://schemas.microsoft.com/office/thememl/2012/main" xmlns="" name="Celestial" id="{C4BB2A3D-0E93-4C5F-B0D2-9D3FCE089CC5}" vid="{42E5908D-19A2-46FD-89FA-638B126129EF}"/>
+      <thm15:themeFamily xmlns="" xmlns:thm15="http://schemas.microsoft.com/office/thememl/2012/main" name="Celestial" id="{C4BB2A3D-0E93-4C5F-B0D2-9D3FCE089CC5}" vid="{42E5908D-19A2-46FD-89FA-638B126129EF}"/>
     </a:ext>
   </a:extLst>
 </a:theme>

--- a/english/My God is so big.pptx
+++ b/english/My God is so big.pptx
@@ -9,6 +9,12 @@
     <p:sldId id="257" r:id="rId3"/>
     <p:sldId id="258" r:id="rId4"/>
     <p:sldId id="259" r:id="rId5"/>
+    <p:sldId id="260" r:id="rId6"/>
+    <p:sldId id="261" r:id="rId7"/>
+    <p:sldId id="262" r:id="rId8"/>
+    <p:sldId id="263" r:id="rId9"/>
+    <p:sldId id="264" r:id="rId10"/>
+    <p:sldId id="265" r:id="rId11"/>
   </p:sldIdLst>
   <p:sldSz cx="12192000" cy="6858000"/>
   <p:notesSz cx="6858000" cy="9144000"/>
@@ -204,7 +210,7 @@
           <a:blip r:embed="rId2">
             <a:extLst>
               <a:ext uri="{28A0092B-C50C-407E-A947-70E740481C1C}">
-                <a14:useLocalDpi xmlns="" xmlns:a14="http://schemas.microsoft.com/office/drawing/2010/main" val="0"/>
+                <a14:useLocalDpi xmlns:a14="http://schemas.microsoft.com/office/drawing/2010/main" xmlns="" val="0"/>
               </a:ext>
             </a:extLst>
           </a:blip>
@@ -400,7 +406,7 @@
             <a:fld id="{B61BEF0D-F0BB-DE4B-95CE-6DB70DBA9567}" type="datetimeFigureOut">
               <a:rPr lang="en-US" dirty="0"/>
               <a:pPr/>
-              <a:t>3/12/2019</a:t>
+              <a:t>3/21/2019</a:t>
             </a:fld>
             <a:endParaRPr lang="en-US" dirty="0"/>
           </a:p>
@@ -463,6 +469,178 @@
   </p:cSld>
   <p:clrMapOvr>
     <a:overrideClrMapping bg1="dk1" tx1="lt1" bg2="dk2" tx2="lt2" accent1="accent1" accent2="accent2" accent3="accent3" accent4="accent4" accent5="accent5" accent6="accent6" hlink="hlink" folHlink="folHlink"/>
+  </p:clrMapOvr>
+</p:sldLayout>
+</file>
+
+<file path=ppt/slideLayouts/slideLayout2.xml><?xml version="1.0" encoding="utf-8"?>
+<p:sldLayout xmlns:a="http://schemas.openxmlformats.org/drawingml/2006/main" xmlns:r="http://schemas.openxmlformats.org/officeDocument/2006/relationships" xmlns:p="http://schemas.openxmlformats.org/presentationml/2006/main" type="obj">
+  <p:cSld name="標題及物件">
+    <p:spTree>
+      <p:nvGrpSpPr>
+        <p:cNvPr id="1" name=""/>
+        <p:cNvGrpSpPr/>
+        <p:nvPr/>
+      </p:nvGrpSpPr>
+      <p:grpSpPr>
+        <a:xfrm>
+          <a:off x="0" y="0"/>
+          <a:ext cx="0" cy="0"/>
+          <a:chOff x="0" y="0"/>
+          <a:chExt cx="0" cy="0"/>
+        </a:xfrm>
+      </p:grpSpPr>
+      <p:sp>
+        <p:nvSpPr>
+          <p:cNvPr id="2" name="標題 1"/>
+          <p:cNvSpPr>
+            <a:spLocks noGrp="1"/>
+          </p:cNvSpPr>
+          <p:nvPr>
+            <p:ph type="title"/>
+          </p:nvPr>
+        </p:nvSpPr>
+        <p:spPr/>
+        <p:txBody>
+          <a:bodyPr/>
+          <a:lstStyle/>
+          <a:p>
+            <a:r>
+              <a:rPr lang="zh-TW" altLang="en-US" smtClean="0"/>
+              <a:t>按一下以編輯母片標題樣式</a:t>
+            </a:r>
+            <a:endParaRPr lang="zh-TW" altLang="en-US"/>
+          </a:p>
+        </p:txBody>
+      </p:sp>
+      <p:sp>
+        <p:nvSpPr>
+          <p:cNvPr id="3" name="內容版面配置區 2"/>
+          <p:cNvSpPr>
+            <a:spLocks noGrp="1"/>
+          </p:cNvSpPr>
+          <p:nvPr>
+            <p:ph idx="1"/>
+          </p:nvPr>
+        </p:nvSpPr>
+        <p:spPr/>
+        <p:txBody>
+          <a:bodyPr/>
+          <a:lstStyle/>
+          <a:p>
+            <a:pPr lvl="0"/>
+            <a:r>
+              <a:rPr lang="zh-TW" altLang="en-US" smtClean="0"/>
+              <a:t>按一下以編輯母片文字樣式</a:t>
+            </a:r>
+          </a:p>
+          <a:p>
+            <a:pPr lvl="1"/>
+            <a:r>
+              <a:rPr lang="zh-TW" altLang="en-US" smtClean="0"/>
+              <a:t>第二層</a:t>
+            </a:r>
+          </a:p>
+          <a:p>
+            <a:pPr lvl="2"/>
+            <a:r>
+              <a:rPr lang="zh-TW" altLang="en-US" smtClean="0"/>
+              <a:t>第三層</a:t>
+            </a:r>
+          </a:p>
+          <a:p>
+            <a:pPr lvl="3"/>
+            <a:r>
+              <a:rPr lang="zh-TW" altLang="en-US" smtClean="0"/>
+              <a:t>第四層</a:t>
+            </a:r>
+          </a:p>
+          <a:p>
+            <a:pPr lvl="4"/>
+            <a:r>
+              <a:rPr lang="zh-TW" altLang="en-US" smtClean="0"/>
+              <a:t>第五層</a:t>
+            </a:r>
+            <a:endParaRPr lang="zh-TW" altLang="en-US"/>
+          </a:p>
+        </p:txBody>
+      </p:sp>
+      <p:sp>
+        <p:nvSpPr>
+          <p:cNvPr id="4" name="日期版面配置區 3"/>
+          <p:cNvSpPr>
+            <a:spLocks noGrp="1"/>
+          </p:cNvSpPr>
+          <p:nvPr>
+            <p:ph type="dt" sz="half" idx="10"/>
+          </p:nvPr>
+        </p:nvSpPr>
+        <p:spPr/>
+        <p:txBody>
+          <a:bodyPr/>
+          <a:lstStyle/>
+          <a:p>
+            <a:fld id="{6FF0269D-5A67-443F-A407-A04D0E69DFC2}" type="datetimeFigureOut">
+              <a:rPr lang="zh-TW" altLang="en-US" smtClean="0"/>
+              <a:pPr/>
+              <a:t>2019/3/21</a:t>
+            </a:fld>
+            <a:endParaRPr lang="zh-TW" altLang="en-US"/>
+          </a:p>
+        </p:txBody>
+      </p:sp>
+      <p:sp>
+        <p:nvSpPr>
+          <p:cNvPr id="5" name="頁尾版面配置區 4"/>
+          <p:cNvSpPr>
+            <a:spLocks noGrp="1"/>
+          </p:cNvSpPr>
+          <p:nvPr>
+            <p:ph type="ftr" sz="quarter" idx="11"/>
+          </p:nvPr>
+        </p:nvSpPr>
+        <p:spPr/>
+        <p:txBody>
+          <a:bodyPr/>
+          <a:lstStyle/>
+          <a:p>
+            <a:endParaRPr lang="zh-TW" altLang="en-US"/>
+          </a:p>
+        </p:txBody>
+      </p:sp>
+      <p:sp>
+        <p:nvSpPr>
+          <p:cNvPr id="6" name="投影片編號版面配置區 5"/>
+          <p:cNvSpPr>
+            <a:spLocks noGrp="1"/>
+          </p:cNvSpPr>
+          <p:nvPr>
+            <p:ph type="sldNum" sz="quarter" idx="12"/>
+          </p:nvPr>
+        </p:nvSpPr>
+        <p:spPr/>
+        <p:txBody>
+          <a:bodyPr/>
+          <a:lstStyle/>
+          <a:p>
+            <a:fld id="{684A5A76-2557-43C5-996E-3F705A9B8756}" type="slidenum">
+              <a:rPr lang="zh-TW" altLang="en-US" smtClean="0"/>
+              <a:pPr/>
+              <a:t>‹#›</a:t>
+            </a:fld>
+            <a:endParaRPr lang="zh-TW" altLang="en-US"/>
+          </a:p>
+        </p:txBody>
+      </p:sp>
+    </p:spTree>
+    <p:extLst>
+      <p:ext uri="{BB962C8B-B14F-4D97-AF65-F5344CB8AC3E}">
+        <p14:creationId xmlns:p14="http://schemas.microsoft.com/office/powerpoint/2010/main" xmlns="" val="739435494"/>
+      </p:ext>
+    </p:extLst>
+  </p:cSld>
+  <p:clrMapOvr>
+    <a:masterClrMapping/>
   </p:clrMapOvr>
 </p:sldLayout>
 </file>
@@ -621,7 +799,7 @@
             <a:fld id="{B61BEF0D-F0BB-DE4B-95CE-6DB70DBA9567}" type="datetimeFigureOut">
               <a:rPr lang="en-US" dirty="0"/>
               <a:pPr/>
-              <a:t>3/12/2019</a:t>
+              <a:t>3/21/2019</a:t>
             </a:fld>
             <a:endParaRPr lang="en-US" dirty="0"/>
           </a:p>
@@ -711,6 +889,7 @@
   <p:clrMap bg1="dk1" tx1="lt1" bg2="dk2" tx2="lt2" accent1="accent1" accent2="accent2" accent3="accent3" accent4="accent4" accent5="accent5" accent6="accent6" hlink="hlink" folHlink="folHlink"/>
   <p:sldLayoutIdLst>
     <p:sldLayoutId id="2147483649" r:id="rId1"/>
+    <p:sldLayoutId id="2147483650" r:id="rId2"/>
   </p:sldLayoutIdLst>
   <p:txStyles>
     <p:titleStyle>
@@ -1119,7 +1298,7 @@
           <p:cNvPr id="2" name="Title 1">
             <a:extLst>
               <a:ext uri="{FF2B5EF4-FFF2-40B4-BE49-F238E27FC236}">
-                <a16:creationId xmlns="" xmlns:a16="http://schemas.microsoft.com/office/drawing/2014/main" id="{E03F7D60-2441-C640-B32E-1FDFFDA2050E}"/>
+                <a16:creationId xmlns:a16="http://schemas.microsoft.com/office/drawing/2014/main" xmlns="" id="{E03F7D60-2441-C640-B32E-1FDFFDA2050E}"/>
               </a:ext>
             </a:extLst>
           </p:cNvPr>
@@ -1229,22 +1408,14 @@
             </a:br>
             <a:r>
               <a:rPr lang="en-US" dirty="0" smtClean="0"/>
-              <a:t>there’s </a:t>
-            </a:r>
-            <a:r>
+              <a:t>there’s nothing   </a:t>
+            </a:r>
+            <a:br>
               <a:rPr lang="en-US" dirty="0" smtClean="0"/>
-              <a:t>nothing   </a:t>
-            </a:r>
-            <a:br>
+            </a:br>
+            <a:r>
               <a:rPr lang="en-US" dirty="0" smtClean="0"/>
-            </a:br>
-            <a:r>
-              <a:rPr lang="en-US" dirty="0" smtClean="0"/>
-              <a:t>MY </a:t>
-            </a:r>
-            <a:r>
-              <a:rPr lang="en-US" dirty="0" smtClean="0"/>
-              <a:t>GOD cannot  do </a:t>
+              <a:t>MY GOD cannot  do </a:t>
             </a:r>
             <a:br>
               <a:rPr lang="en-US" dirty="0" smtClean="0"/>
@@ -1262,7 +1433,7 @@
           <p:cNvPr id="3" name="Subtitle 2">
             <a:extLst>
               <a:ext uri="{FF2B5EF4-FFF2-40B4-BE49-F238E27FC236}">
-                <a16:creationId xmlns="" xmlns:a16="http://schemas.microsoft.com/office/drawing/2014/main" id="{07A48807-8C82-AF48-A7E3-8E81F6856DBB}"/>
+                <a16:creationId xmlns:a16="http://schemas.microsoft.com/office/drawing/2014/main" xmlns="" id="{07A48807-8C82-AF48-A7E3-8E81F6856DBB}"/>
               </a:ext>
             </a:extLst>
           </p:cNvPr>
@@ -1304,7 +1475,171 @@
     </p:spTree>
     <p:extLst>
       <p:ext uri="{BB962C8B-B14F-4D97-AF65-F5344CB8AC3E}">
-        <p14:creationId xmlns="" xmlns:p14="http://schemas.microsoft.com/office/powerpoint/2010/main" val="494716590"/>
+        <p14:creationId xmlns:p14="http://schemas.microsoft.com/office/powerpoint/2010/main" xmlns="" val="494716590"/>
+      </p:ext>
+    </p:extLst>
+  </p:cSld>
+  <p:clrMapOvr>
+    <a:masterClrMapping/>
+  </p:clrMapOvr>
+  <p:timing>
+    <p:tnLst>
+      <p:par>
+        <p:cTn id="1" dur="indefinite" restart="never" nodeType="tmRoot"/>
+      </p:par>
+    </p:tnLst>
+  </p:timing>
+</p:sld>
+</file>
+
+<file path=ppt/slides/slide10.xml><?xml version="1.0" encoding="utf-8"?>
+<p:sld xmlns:a="http://schemas.openxmlformats.org/drawingml/2006/main" xmlns:r="http://schemas.openxmlformats.org/officeDocument/2006/relationships" xmlns:p="http://schemas.openxmlformats.org/presentationml/2006/main">
+  <p:cSld>
+    <p:spTree>
+      <p:nvGrpSpPr>
+        <p:cNvPr id="1" name=""/>
+        <p:cNvGrpSpPr/>
+        <p:nvPr/>
+      </p:nvGrpSpPr>
+      <p:grpSpPr>
+        <a:xfrm>
+          <a:off x="0" y="0"/>
+          <a:ext cx="0" cy="0"/>
+          <a:chOff x="0" y="0"/>
+          <a:chExt cx="0" cy="0"/>
+        </a:xfrm>
+      </p:grpSpPr>
+      <p:pic>
+        <p:nvPicPr>
+          <p:cNvPr id="4" name="Picture 2" descr="ãppt background for kidsãçåçæå°çµæ"/>
+          <p:cNvPicPr>
+            <a:picLocks noChangeAspect="1" noChangeArrowheads="1"/>
+          </p:cNvPicPr>
+          <p:nvPr/>
+        </p:nvPicPr>
+        <p:blipFill>
+          <a:blip r:embed="rId2">
+            <a:extLst>
+              <a:ext uri="{28A0092B-C50C-407E-A947-70E740481C1C}">
+                <a14:useLocalDpi xmlns:a14="http://schemas.microsoft.com/office/drawing/2010/main" xmlns="" val="0"/>
+              </a:ext>
+            </a:extLst>
+          </a:blip>
+          <a:srcRect/>
+          <a:stretch>
+            <a:fillRect/>
+          </a:stretch>
+        </p:blipFill>
+        <p:spPr bwMode="auto">
+          <a:xfrm>
+            <a:off x="0" y="0"/>
+            <a:ext cx="12192000" cy="6880860"/>
+          </a:xfrm>
+          <a:prstGeom prst="rect">
+            <a:avLst/>
+          </a:prstGeom>
+          <a:noFill/>
+          <a:extLst>
+            <a:ext uri="{909E8E84-426E-40DD-AFC4-6F175D3DCCD1}">
+              <a14:hiddenFill xmlns:a14="http://schemas.microsoft.com/office/drawing/2010/main" xmlns="">
+                <a:solidFill>
+                  <a:srgbClr val="FFFFFF"/>
+                </a:solidFill>
+              </a14:hiddenFill>
+            </a:ext>
+          </a:extLst>
+        </p:spPr>
+      </p:pic>
+      <p:sp>
+        <p:nvSpPr>
+          <p:cNvPr id="3" name="內容版面配置區 2"/>
+          <p:cNvSpPr>
+            <a:spLocks noGrp="1"/>
+          </p:cNvSpPr>
+          <p:nvPr>
+            <p:ph idx="1"/>
+          </p:nvPr>
+        </p:nvSpPr>
+        <p:spPr>
+          <a:xfrm>
+            <a:off x="527381" y="548680"/>
+            <a:ext cx="11521280" cy="4320480"/>
+          </a:xfrm>
+        </p:spPr>
+        <p:txBody>
+          <a:bodyPr/>
+          <a:lstStyle/>
+          <a:p>
+            <a:pPr marL="0" indent="0" algn="ctr">
+              <a:buNone/>
+            </a:pPr>
+            <a:r>
+              <a:rPr lang="en-US" altLang="zh-TW" sz="6000" b="1" dirty="0" smtClean="0">
+                <a:solidFill>
+                  <a:srgbClr val="7030A0"/>
+                </a:solidFill>
+              </a:rPr>
+              <a:t>O-B-E-D-I-E-N-C-E</a:t>
+            </a:r>
+            <a:br>
+              <a:rPr lang="en-US" altLang="zh-TW" sz="6000" b="1" dirty="0" smtClean="0">
+                <a:solidFill>
+                  <a:srgbClr val="7030A0"/>
+                </a:solidFill>
+              </a:rPr>
+            </a:br>
+            <a:r>
+              <a:rPr lang="en-US" altLang="zh-TW" sz="6000" b="1" dirty="0" smtClean="0">
+                <a:solidFill>
+                  <a:srgbClr val="7030A0"/>
+                </a:solidFill>
+              </a:rPr>
+              <a:t>Obedience</a:t>
+            </a:r>
+          </a:p>
+          <a:p>
+            <a:pPr marL="0" indent="0" algn="ctr">
+              <a:buNone/>
+            </a:pPr>
+            <a:r>
+              <a:rPr lang="en-US" altLang="zh-TW" sz="6000" b="1" dirty="0" smtClean="0">
+                <a:solidFill>
+                  <a:srgbClr val="7030A0"/>
+                </a:solidFill>
+              </a:rPr>
+              <a:t>is the very best way</a:t>
+            </a:r>
+          </a:p>
+          <a:p>
+            <a:pPr marL="0" indent="0" algn="ctr">
+              <a:buNone/>
+            </a:pPr>
+            <a:r>
+              <a:rPr lang="en-US" altLang="zh-TW" sz="6000" b="1" dirty="0" smtClean="0">
+                <a:solidFill>
+                  <a:srgbClr val="7030A0"/>
+                </a:solidFill>
+              </a:rPr>
+              <a:t>to show that you believe</a:t>
+            </a:r>
+            <a:endParaRPr lang="en-US" altLang="zh-TW" sz="6000" dirty="0" smtClean="0">
+              <a:solidFill>
+                <a:srgbClr val="7030A0"/>
+              </a:solidFill>
+            </a:endParaRPr>
+          </a:p>
+          <a:p>
+            <a:pPr marL="0" indent="0">
+              <a:buNone/>
+            </a:pPr>
+            <a:endParaRPr lang="zh-TW" altLang="en-US" dirty="0"/>
+          </a:p>
+        </p:txBody>
+      </p:sp>
+    </p:spTree>
+    <p:extLst>
+      <p:ext uri="{BB962C8B-B14F-4D97-AF65-F5344CB8AC3E}">
+        <p14:creationId xmlns:p14="http://schemas.microsoft.com/office/powerpoint/2010/main" xmlns="" val="1050162850"/>
       </p:ext>
     </p:extLst>
   </p:cSld>
@@ -1931,6 +2266,947 @@
         </p:txBody>
       </p:sp>
     </p:spTree>
+  </p:cSld>
+  <p:clrMapOvr>
+    <a:masterClrMapping/>
+  </p:clrMapOvr>
+  <p:timing>
+    <p:tnLst>
+      <p:par>
+        <p:cTn id="1" dur="indefinite" restart="never" nodeType="tmRoot"/>
+      </p:par>
+    </p:tnLst>
+  </p:timing>
+</p:sld>
+</file>
+
+<file path=ppt/slides/slide5.xml><?xml version="1.0" encoding="utf-8"?>
+<p:sld xmlns:a="http://schemas.openxmlformats.org/drawingml/2006/main" xmlns:r="http://schemas.openxmlformats.org/officeDocument/2006/relationships" xmlns:p="http://schemas.openxmlformats.org/presentationml/2006/main">
+  <p:cSld>
+    <p:spTree>
+      <p:nvGrpSpPr>
+        <p:cNvPr id="1" name=""/>
+        <p:cNvGrpSpPr/>
+        <p:nvPr/>
+      </p:nvGrpSpPr>
+      <p:grpSpPr>
+        <a:xfrm>
+          <a:off x="0" y="0"/>
+          <a:ext cx="0" cy="0"/>
+          <a:chOff x="0" y="0"/>
+          <a:chExt cx="0" cy="0"/>
+        </a:xfrm>
+      </p:grpSpPr>
+      <p:pic>
+        <p:nvPicPr>
+          <p:cNvPr id="1030" name="Picture 6" descr="ç¸éåç"/>
+          <p:cNvPicPr>
+            <a:picLocks noChangeAspect="1" noChangeArrowheads="1"/>
+          </p:cNvPicPr>
+          <p:nvPr/>
+        </p:nvPicPr>
+        <p:blipFill>
+          <a:blip r:embed="rId2">
+            <a:extLst>
+              <a:ext uri="{28A0092B-C50C-407E-A947-70E740481C1C}">
+                <a14:useLocalDpi xmlns:a14="http://schemas.microsoft.com/office/drawing/2010/main" xmlns="" val="0"/>
+              </a:ext>
+            </a:extLst>
+          </a:blip>
+          <a:srcRect/>
+          <a:stretch>
+            <a:fillRect/>
+          </a:stretch>
+        </p:blipFill>
+        <p:spPr bwMode="auto">
+          <a:xfrm>
+            <a:off x="-32810" y="0"/>
+            <a:ext cx="12224809" cy="6876455"/>
+          </a:xfrm>
+          <a:prstGeom prst="rect">
+            <a:avLst/>
+          </a:prstGeom>
+          <a:noFill/>
+          <a:extLst>
+            <a:ext uri="{909E8E84-426E-40DD-AFC4-6F175D3DCCD1}">
+              <a14:hiddenFill xmlns:a14="http://schemas.microsoft.com/office/drawing/2010/main" xmlns="">
+                <a:solidFill>
+                  <a:srgbClr val="FFFFFF"/>
+                </a:solidFill>
+              </a14:hiddenFill>
+            </a:ext>
+          </a:extLst>
+        </p:spPr>
+      </p:pic>
+      <p:sp>
+        <p:nvSpPr>
+          <p:cNvPr id="2" name="標題 1"/>
+          <p:cNvSpPr>
+            <a:spLocks noGrp="1"/>
+          </p:cNvSpPr>
+          <p:nvPr>
+            <p:ph type="ctrTitle"/>
+          </p:nvPr>
+        </p:nvSpPr>
+        <p:spPr>
+          <a:xfrm>
+            <a:off x="335360" y="5013177"/>
+            <a:ext cx="11041227" cy="1470025"/>
+          </a:xfrm>
+        </p:spPr>
+        <p:txBody>
+          <a:bodyPr>
+            <a:noAutofit/>
+          </a:bodyPr>
+          <a:lstStyle/>
+          <a:p>
+            <a:r>
+              <a:rPr lang="en-US" altLang="zh-TW" sz="6600" b="1" dirty="0">
+                <a:solidFill>
+                  <a:srgbClr val="FF0000"/>
+                </a:solidFill>
+              </a:rPr>
+              <a:t>Song </a:t>
+            </a:r>
+            <a:r>
+              <a:rPr lang="en-US" altLang="zh-TW" sz="6600" b="1" dirty="0" smtClean="0">
+                <a:solidFill>
+                  <a:srgbClr val="FF0000"/>
+                </a:solidFill>
+              </a:rPr>
+              <a:t>O-B-E-D-I-E-N-C-E</a:t>
+            </a:r>
+            <a:endParaRPr lang="zh-TW" altLang="en-US" sz="6600" b="1" dirty="0">
+              <a:solidFill>
+                <a:srgbClr val="FF0000"/>
+              </a:solidFill>
+            </a:endParaRPr>
+          </a:p>
+        </p:txBody>
+      </p:sp>
+    </p:spTree>
+    <p:extLst>
+      <p:ext uri="{BB962C8B-B14F-4D97-AF65-F5344CB8AC3E}">
+        <p14:creationId xmlns:p14="http://schemas.microsoft.com/office/powerpoint/2010/main" xmlns="" val="1045586266"/>
+      </p:ext>
+    </p:extLst>
+  </p:cSld>
+  <p:clrMapOvr>
+    <a:masterClrMapping/>
+  </p:clrMapOvr>
+  <p:timing>
+    <p:tnLst>
+      <p:par>
+        <p:cTn id="1" dur="indefinite" restart="never" nodeType="tmRoot"/>
+      </p:par>
+    </p:tnLst>
+  </p:timing>
+</p:sld>
+</file>
+
+<file path=ppt/slides/slide6.xml><?xml version="1.0" encoding="utf-8"?>
+<p:sld xmlns:a="http://schemas.openxmlformats.org/drawingml/2006/main" xmlns:r="http://schemas.openxmlformats.org/officeDocument/2006/relationships" xmlns:p="http://schemas.openxmlformats.org/presentationml/2006/main">
+  <p:cSld>
+    <p:spTree>
+      <p:nvGrpSpPr>
+        <p:cNvPr id="1" name=""/>
+        <p:cNvGrpSpPr/>
+        <p:nvPr/>
+      </p:nvGrpSpPr>
+      <p:grpSpPr>
+        <a:xfrm>
+          <a:off x="0" y="0"/>
+          <a:ext cx="0" cy="0"/>
+          <a:chOff x="0" y="0"/>
+          <a:chExt cx="0" cy="0"/>
+        </a:xfrm>
+      </p:grpSpPr>
+      <p:pic>
+        <p:nvPicPr>
+          <p:cNvPr id="4" name="內容版面配置區 3"/>
+          <p:cNvPicPr>
+            <a:picLocks noGrp="1" noChangeAspect="1"/>
+          </p:cNvPicPr>
+          <p:nvPr>
+            <p:ph idx="1"/>
+          </p:nvPr>
+        </p:nvPicPr>
+        <p:blipFill>
+          <a:blip r:embed="rId2" cstate="print">
+            <a:extLst>
+              <a:ext uri="{28A0092B-C50C-407E-A947-70E740481C1C}">
+                <a14:useLocalDpi xmlns:a14="http://schemas.microsoft.com/office/drawing/2010/main" xmlns="" val="0"/>
+              </a:ext>
+            </a:extLst>
+          </a:blip>
+          <a:stretch>
+            <a:fillRect/>
+          </a:stretch>
+        </p:blipFill>
+        <p:spPr>
+          <a:xfrm>
+            <a:off x="0" y="0"/>
+            <a:ext cx="12192000" cy="6858000"/>
+          </a:xfrm>
+        </p:spPr>
+      </p:pic>
+      <p:sp>
+        <p:nvSpPr>
+          <p:cNvPr id="2" name="標題 1"/>
+          <p:cNvSpPr>
+            <a:spLocks noGrp="1"/>
+          </p:cNvSpPr>
+          <p:nvPr>
+            <p:ph type="title"/>
+          </p:nvPr>
+        </p:nvSpPr>
+        <p:spPr>
+          <a:xfrm>
+            <a:off x="417579" y="418654"/>
+            <a:ext cx="11439061" cy="6106690"/>
+          </a:xfrm>
+        </p:spPr>
+        <p:txBody>
+          <a:bodyPr>
+            <a:noAutofit/>
+          </a:bodyPr>
+          <a:lstStyle/>
+          <a:p>
+            <a:pPr algn="l"/>
+            <a:r>
+              <a:rPr lang="en-US" altLang="zh-TW" sz="4800" b="1" dirty="0" smtClean="0">
+                <a:solidFill>
+                  <a:srgbClr val="002060"/>
+                </a:solidFill>
+              </a:rPr>
+              <a:t>Obedience:</a:t>
+            </a:r>
+            <a:br>
+              <a:rPr lang="en-US" altLang="zh-TW" sz="4800" b="1" dirty="0" smtClean="0">
+                <a:solidFill>
+                  <a:srgbClr val="002060"/>
+                </a:solidFill>
+              </a:rPr>
+            </a:br>
+            <a:r>
+              <a:rPr lang="en-US" altLang="zh-TW" sz="4800" b="1" dirty="0" smtClean="0">
+                <a:solidFill>
+                  <a:srgbClr val="002060"/>
+                </a:solidFill>
+              </a:rPr>
+              <a:t>Very best:</a:t>
+            </a:r>
+            <a:br>
+              <a:rPr lang="en-US" altLang="zh-TW" sz="4800" b="1" dirty="0" smtClean="0">
+                <a:solidFill>
+                  <a:srgbClr val="002060"/>
+                </a:solidFill>
+              </a:rPr>
+            </a:br>
+            <a:r>
+              <a:rPr lang="en-US" altLang="zh-TW" sz="4800" b="1" dirty="0" smtClean="0">
+                <a:solidFill>
+                  <a:srgbClr val="002060"/>
+                </a:solidFill>
+              </a:rPr>
+              <a:t>Way:</a:t>
+            </a:r>
+            <a:br>
+              <a:rPr lang="en-US" altLang="zh-TW" sz="4800" b="1" dirty="0" smtClean="0">
+                <a:solidFill>
+                  <a:srgbClr val="002060"/>
+                </a:solidFill>
+              </a:rPr>
+            </a:br>
+            <a:r>
+              <a:rPr lang="en-US" altLang="zh-TW" sz="4800" b="1" dirty="0" smtClean="0">
+                <a:solidFill>
+                  <a:srgbClr val="002060"/>
+                </a:solidFill>
+              </a:rPr>
+              <a:t>Show:</a:t>
+            </a:r>
+            <a:br>
+              <a:rPr lang="en-US" altLang="zh-TW" sz="4800" b="1" dirty="0" smtClean="0">
+                <a:solidFill>
+                  <a:srgbClr val="002060"/>
+                </a:solidFill>
+              </a:rPr>
+            </a:br>
+            <a:r>
+              <a:rPr lang="en-US" altLang="zh-TW" sz="4800" b="1" dirty="0" smtClean="0">
+                <a:solidFill>
+                  <a:srgbClr val="002060"/>
+                </a:solidFill>
+              </a:rPr>
+              <a:t>				Believe:</a:t>
+            </a:r>
+            <a:br>
+              <a:rPr lang="en-US" altLang="zh-TW" sz="4800" b="1" dirty="0" smtClean="0">
+                <a:solidFill>
+                  <a:srgbClr val="002060"/>
+                </a:solidFill>
+              </a:rPr>
+            </a:br>
+            <a:r>
+              <a:rPr lang="en-US" altLang="zh-TW" sz="4800" b="1" dirty="0" smtClean="0">
+                <a:solidFill>
+                  <a:srgbClr val="002060"/>
+                </a:solidFill>
+              </a:rPr>
+              <a:t>				Exactly:</a:t>
+            </a:r>
+            <a:br>
+              <a:rPr lang="en-US" altLang="zh-TW" sz="4800" b="1" dirty="0" smtClean="0">
+                <a:solidFill>
+                  <a:srgbClr val="002060"/>
+                </a:solidFill>
+              </a:rPr>
+            </a:br>
+            <a:r>
+              <a:rPr lang="en-US" altLang="zh-TW" sz="4800" b="1" dirty="0" smtClean="0">
+                <a:solidFill>
+                  <a:srgbClr val="002060"/>
+                </a:solidFill>
+              </a:rPr>
+              <a:t>				</a:t>
+            </a:r>
+            <a:r>
+              <a:rPr lang="en-US" altLang="zh-TW" b="1" dirty="0" smtClean="0">
+                <a:solidFill>
+                  <a:srgbClr val="002060"/>
+                </a:solidFill>
+              </a:rPr>
+              <a:t>Commands</a:t>
+            </a:r>
+            <a:br>
+              <a:rPr lang="en-US" altLang="zh-TW" b="1" dirty="0" smtClean="0">
+                <a:solidFill>
+                  <a:srgbClr val="002060"/>
+                </a:solidFill>
+              </a:rPr>
+            </a:br>
+            <a:r>
+              <a:rPr lang="en-US" altLang="zh-TW" sz="4800" b="1" dirty="0" smtClean="0">
+                <a:solidFill>
+                  <a:srgbClr val="002060"/>
+                </a:solidFill>
+              </a:rPr>
+              <a:t>		 		Happily:</a:t>
+            </a:r>
+            <a:r>
+              <a:rPr lang="en-US" altLang="zh-TW" sz="4000" b="1" dirty="0" smtClean="0">
+                <a:solidFill>
+                  <a:srgbClr val="002060"/>
+                </a:solidFill>
+              </a:rPr>
+              <a:t/>
+            </a:r>
+            <a:br>
+              <a:rPr lang="en-US" altLang="zh-TW" sz="4000" b="1" dirty="0" smtClean="0">
+                <a:solidFill>
+                  <a:srgbClr val="002060"/>
+                </a:solidFill>
+              </a:rPr>
+            </a:br>
+            <a:endParaRPr lang="zh-TW" altLang="en-US" sz="4000" dirty="0"/>
+          </a:p>
+        </p:txBody>
+      </p:sp>
+    </p:spTree>
+    <p:extLst>
+      <p:ext uri="{BB962C8B-B14F-4D97-AF65-F5344CB8AC3E}">
+        <p14:creationId xmlns:p14="http://schemas.microsoft.com/office/powerpoint/2010/main" xmlns="" val="1525975900"/>
+      </p:ext>
+    </p:extLst>
+  </p:cSld>
+  <p:clrMapOvr>
+    <a:masterClrMapping/>
+  </p:clrMapOvr>
+  <p:timing>
+    <p:tnLst>
+      <p:par>
+        <p:cTn id="1" dur="indefinite" restart="never" nodeType="tmRoot"/>
+      </p:par>
+    </p:tnLst>
+  </p:timing>
+</p:sld>
+</file>
+
+<file path=ppt/slides/slide7.xml><?xml version="1.0" encoding="utf-8"?>
+<p:sld xmlns:a="http://schemas.openxmlformats.org/drawingml/2006/main" xmlns:r="http://schemas.openxmlformats.org/officeDocument/2006/relationships" xmlns:p="http://schemas.openxmlformats.org/presentationml/2006/main">
+  <p:cSld>
+    <p:spTree>
+      <p:nvGrpSpPr>
+        <p:cNvPr id="1" name=""/>
+        <p:cNvGrpSpPr/>
+        <p:nvPr/>
+      </p:nvGrpSpPr>
+      <p:grpSpPr>
+        <a:xfrm>
+          <a:off x="0" y="0"/>
+          <a:ext cx="0" cy="0"/>
+          <a:chOff x="0" y="0"/>
+          <a:chExt cx="0" cy="0"/>
+        </a:xfrm>
+      </p:grpSpPr>
+      <p:pic>
+        <p:nvPicPr>
+          <p:cNvPr id="5124" name="Picture 4" descr="ç¸éåç"/>
+          <p:cNvPicPr>
+            <a:picLocks noChangeAspect="1" noChangeArrowheads="1"/>
+          </p:cNvPicPr>
+          <p:nvPr/>
+        </p:nvPicPr>
+        <p:blipFill>
+          <a:blip r:embed="rId2">
+            <a:extLst>
+              <a:ext uri="{28A0092B-C50C-407E-A947-70E740481C1C}">
+                <a14:useLocalDpi xmlns:a14="http://schemas.microsoft.com/office/drawing/2010/main" xmlns="" val="0"/>
+              </a:ext>
+            </a:extLst>
+          </a:blip>
+          <a:srcRect/>
+          <a:stretch>
+            <a:fillRect/>
+          </a:stretch>
+        </p:blipFill>
+        <p:spPr bwMode="auto">
+          <a:xfrm>
+            <a:off x="0" y="0"/>
+            <a:ext cx="12192000" cy="6786363"/>
+          </a:xfrm>
+          <a:prstGeom prst="rect">
+            <a:avLst/>
+          </a:prstGeom>
+          <a:noFill/>
+          <a:extLst>
+            <a:ext uri="{909E8E84-426E-40DD-AFC4-6F175D3DCCD1}">
+              <a14:hiddenFill xmlns:a14="http://schemas.microsoft.com/office/drawing/2010/main" xmlns="">
+                <a:solidFill>
+                  <a:srgbClr val="FFFFFF"/>
+                </a:solidFill>
+              </a14:hiddenFill>
+            </a:ext>
+          </a:extLst>
+        </p:spPr>
+      </p:pic>
+      <p:sp>
+        <p:nvSpPr>
+          <p:cNvPr id="3" name="內容版面配置區 2"/>
+          <p:cNvSpPr>
+            <a:spLocks noGrp="1"/>
+          </p:cNvSpPr>
+          <p:nvPr>
+            <p:ph idx="1"/>
+          </p:nvPr>
+        </p:nvSpPr>
+        <p:spPr>
+          <a:xfrm>
+            <a:off x="609600" y="2143398"/>
+            <a:ext cx="10972800" cy="4525963"/>
+          </a:xfrm>
+        </p:spPr>
+        <p:txBody>
+          <a:bodyPr>
+            <a:normAutofit/>
+          </a:bodyPr>
+          <a:lstStyle/>
+          <a:p>
+            <a:pPr marL="0" indent="0">
+              <a:buNone/>
+            </a:pPr>
+            <a:r>
+              <a:rPr lang="en-US" altLang="zh-TW" sz="4800" b="1" dirty="0" smtClean="0">
+                <a:solidFill>
+                  <a:srgbClr val="7030A0"/>
+                </a:solidFill>
+              </a:rPr>
+              <a:t>Action:</a:t>
+            </a:r>
+          </a:p>
+          <a:p>
+            <a:pPr marL="0" indent="0">
+              <a:buNone/>
+            </a:pPr>
+            <a:r>
+              <a:rPr lang="en-US" altLang="zh-TW" sz="4800" b="1" dirty="0" smtClean="0">
+                <a:solidFill>
+                  <a:srgbClr val="7030A0"/>
+                </a:solidFill>
+              </a:rPr>
+              <a:t>Key:</a:t>
+            </a:r>
+          </a:p>
+          <a:p>
+            <a:pPr marL="0" indent="0">
+              <a:buNone/>
+            </a:pPr>
+            <a:r>
+              <a:rPr lang="en-US" altLang="zh-TW" sz="4800" b="1" dirty="0" smtClean="0">
+                <a:solidFill>
+                  <a:srgbClr val="7030A0"/>
+                </a:solidFill>
+              </a:rPr>
+              <a:t>Immediately:</a:t>
+            </a:r>
+          </a:p>
+          <a:p>
+            <a:pPr marL="0" indent="0">
+              <a:buNone/>
+            </a:pPr>
+            <a:r>
+              <a:rPr lang="en-US" altLang="zh-TW" sz="4800" b="1" dirty="0" smtClean="0">
+                <a:solidFill>
+                  <a:srgbClr val="7030A0"/>
+                </a:solidFill>
+              </a:rPr>
+              <a:t>Joy:</a:t>
+            </a:r>
+          </a:p>
+          <a:p>
+            <a:pPr marL="0" indent="0">
+              <a:buNone/>
+            </a:pPr>
+            <a:r>
+              <a:rPr lang="en-US" altLang="zh-TW" sz="4800" b="1" dirty="0">
+                <a:solidFill>
+                  <a:srgbClr val="7030A0"/>
+                </a:solidFill>
+              </a:rPr>
+              <a:t>W</a:t>
+            </a:r>
+            <a:r>
+              <a:rPr lang="en-US" altLang="zh-TW" sz="4800" b="1" dirty="0" smtClean="0">
+                <a:solidFill>
+                  <a:srgbClr val="7030A0"/>
+                </a:solidFill>
+              </a:rPr>
+              <a:t>ill receive:</a:t>
+            </a:r>
+          </a:p>
+        </p:txBody>
+      </p:sp>
+    </p:spTree>
+    <p:extLst>
+      <p:ext uri="{BB962C8B-B14F-4D97-AF65-F5344CB8AC3E}">
+        <p14:creationId xmlns:p14="http://schemas.microsoft.com/office/powerpoint/2010/main" xmlns="" val="2881889013"/>
+      </p:ext>
+    </p:extLst>
+  </p:cSld>
+  <p:clrMapOvr>
+    <a:masterClrMapping/>
+  </p:clrMapOvr>
+  <p:timing>
+    <p:tnLst>
+      <p:par>
+        <p:cTn id="1" dur="indefinite" restart="never" nodeType="tmRoot"/>
+      </p:par>
+    </p:tnLst>
+  </p:timing>
+</p:sld>
+</file>
+
+<file path=ppt/slides/slide8.xml><?xml version="1.0" encoding="utf-8"?>
+<p:sld xmlns:a="http://schemas.openxmlformats.org/drawingml/2006/main" xmlns:r="http://schemas.openxmlformats.org/officeDocument/2006/relationships" xmlns:p="http://schemas.openxmlformats.org/presentationml/2006/main">
+  <p:cSld>
+    <p:spTree>
+      <p:nvGrpSpPr>
+        <p:cNvPr id="1" name=""/>
+        <p:cNvGrpSpPr/>
+        <p:nvPr/>
+      </p:nvGrpSpPr>
+      <p:grpSpPr>
+        <a:xfrm>
+          <a:off x="0" y="0"/>
+          <a:ext cx="0" cy="0"/>
+          <a:chOff x="0" y="0"/>
+          <a:chExt cx="0" cy="0"/>
+        </a:xfrm>
+      </p:grpSpPr>
+      <p:pic>
+        <p:nvPicPr>
+          <p:cNvPr id="2052" name="Picture 4" descr="ãppt background for kidsãçåçæå°çµæ"/>
+          <p:cNvPicPr>
+            <a:picLocks noChangeAspect="1" noChangeArrowheads="1"/>
+          </p:cNvPicPr>
+          <p:nvPr/>
+        </p:nvPicPr>
+        <p:blipFill>
+          <a:blip r:embed="rId2">
+            <a:extLst>
+              <a:ext uri="{28A0092B-C50C-407E-A947-70E740481C1C}">
+                <a14:useLocalDpi xmlns:a14="http://schemas.microsoft.com/office/drawing/2010/main" xmlns="" val="0"/>
+              </a:ext>
+            </a:extLst>
+          </a:blip>
+          <a:srcRect/>
+          <a:stretch>
+            <a:fillRect/>
+          </a:stretch>
+        </p:blipFill>
+        <p:spPr bwMode="auto">
+          <a:xfrm>
+            <a:off x="1520" y="0"/>
+            <a:ext cx="12190479" cy="6857144"/>
+          </a:xfrm>
+          <a:prstGeom prst="rect">
+            <a:avLst/>
+          </a:prstGeom>
+          <a:noFill/>
+          <a:extLst>
+            <a:ext uri="{909E8E84-426E-40DD-AFC4-6F175D3DCCD1}">
+              <a14:hiddenFill xmlns:a14="http://schemas.microsoft.com/office/drawing/2010/main" xmlns="">
+                <a:solidFill>
+                  <a:srgbClr val="FFFFFF"/>
+                </a:solidFill>
+              </a14:hiddenFill>
+            </a:ext>
+          </a:extLst>
+        </p:spPr>
+      </p:pic>
+      <p:sp>
+        <p:nvSpPr>
+          <p:cNvPr id="3" name="內容版面配置區 2"/>
+          <p:cNvSpPr>
+            <a:spLocks noGrp="1"/>
+          </p:cNvSpPr>
+          <p:nvPr>
+            <p:ph idx="1"/>
+          </p:nvPr>
+        </p:nvSpPr>
+        <p:spPr>
+          <a:xfrm>
+            <a:off x="431370" y="692696"/>
+            <a:ext cx="11617291" cy="5688632"/>
+          </a:xfrm>
+        </p:spPr>
+        <p:txBody>
+          <a:bodyPr>
+            <a:noAutofit/>
+          </a:bodyPr>
+          <a:lstStyle/>
+          <a:p>
+            <a:pPr marL="0" indent="0" algn="ctr">
+              <a:buNone/>
+            </a:pPr>
+            <a:r>
+              <a:rPr lang="en-US" altLang="zh-TW" sz="5000" b="1" dirty="0" smtClean="0">
+                <a:solidFill>
+                  <a:srgbClr val="002060"/>
+                </a:solidFill>
+              </a:rPr>
+              <a:t>Obedience</a:t>
+            </a:r>
+          </a:p>
+          <a:p>
+            <a:pPr marL="0" indent="0" algn="ctr">
+              <a:buNone/>
+            </a:pPr>
+            <a:r>
+              <a:rPr lang="en-US" altLang="zh-TW" sz="5000" b="1" dirty="0" smtClean="0">
+                <a:solidFill>
+                  <a:srgbClr val="002060"/>
+                </a:solidFill>
+              </a:rPr>
+              <a:t>is </a:t>
+            </a:r>
+            <a:r>
+              <a:rPr lang="en-US" altLang="zh-TW" sz="5000" b="1" dirty="0">
+                <a:solidFill>
+                  <a:srgbClr val="002060"/>
+                </a:solidFill>
+              </a:rPr>
+              <a:t>the very best </a:t>
+            </a:r>
+            <a:r>
+              <a:rPr lang="en-US" altLang="zh-TW" sz="5000" b="1" dirty="0" smtClean="0">
+                <a:solidFill>
+                  <a:srgbClr val="002060"/>
+                </a:solidFill>
+              </a:rPr>
+              <a:t>way</a:t>
+            </a:r>
+          </a:p>
+          <a:p>
+            <a:pPr marL="0" indent="0" algn="ctr">
+              <a:buNone/>
+            </a:pPr>
+            <a:r>
+              <a:rPr lang="en-US" altLang="zh-TW" sz="5000" b="1" dirty="0" smtClean="0">
+                <a:solidFill>
+                  <a:srgbClr val="002060"/>
+                </a:solidFill>
+              </a:rPr>
+              <a:t>To </a:t>
+            </a:r>
+            <a:r>
+              <a:rPr lang="en-US" altLang="zh-TW" sz="5000" b="1" dirty="0">
+                <a:solidFill>
+                  <a:srgbClr val="002060"/>
+                </a:solidFill>
+              </a:rPr>
+              <a:t>show that you </a:t>
+            </a:r>
+            <a:r>
+              <a:rPr lang="en-US" altLang="zh-TW" sz="5000" b="1" dirty="0" smtClean="0">
+                <a:solidFill>
+                  <a:srgbClr val="002060"/>
+                </a:solidFill>
+              </a:rPr>
+              <a:t>believe</a:t>
+            </a:r>
+          </a:p>
+          <a:p>
+            <a:pPr marL="0" indent="0" algn="ctr">
+              <a:buNone/>
+            </a:pPr>
+            <a:r>
+              <a:rPr lang="en-US" altLang="zh-TW" sz="5000" b="1" dirty="0" smtClean="0">
+                <a:solidFill>
+                  <a:srgbClr val="002060"/>
+                </a:solidFill>
+              </a:rPr>
+              <a:t>Doing exactly what </a:t>
+            </a:r>
+            <a:r>
+              <a:rPr lang="en-US" altLang="zh-TW" sz="5000" b="1" dirty="0">
+                <a:solidFill>
+                  <a:srgbClr val="002060"/>
+                </a:solidFill>
+              </a:rPr>
+              <a:t>the Lord </a:t>
+            </a:r>
+            <a:r>
+              <a:rPr lang="en-US" altLang="zh-TW" sz="5000" b="1" dirty="0" smtClean="0">
+                <a:solidFill>
+                  <a:srgbClr val="002060"/>
+                </a:solidFill>
+              </a:rPr>
+              <a:t>commands</a:t>
+            </a:r>
+          </a:p>
+          <a:p>
+            <a:pPr marL="0" indent="0" algn="ctr">
+              <a:buNone/>
+            </a:pPr>
+            <a:r>
+              <a:rPr lang="en-US" altLang="zh-TW" sz="5000" b="1" dirty="0" smtClean="0">
+                <a:solidFill>
+                  <a:srgbClr val="002060"/>
+                </a:solidFill>
+              </a:rPr>
+              <a:t>Doing </a:t>
+            </a:r>
+            <a:r>
+              <a:rPr lang="en-US" altLang="zh-TW" sz="5000" b="1" dirty="0">
+                <a:solidFill>
+                  <a:srgbClr val="002060"/>
+                </a:solidFill>
+              </a:rPr>
+              <a:t>it </a:t>
+            </a:r>
+            <a:r>
+              <a:rPr lang="en-US" altLang="zh-TW" sz="5000" b="1" dirty="0" smtClean="0">
+                <a:solidFill>
+                  <a:srgbClr val="002060"/>
+                </a:solidFill>
+              </a:rPr>
+              <a:t>happily</a:t>
+            </a:r>
+          </a:p>
+        </p:txBody>
+      </p:sp>
+    </p:spTree>
+    <p:extLst>
+      <p:ext uri="{BB962C8B-B14F-4D97-AF65-F5344CB8AC3E}">
+        <p14:creationId xmlns:p14="http://schemas.microsoft.com/office/powerpoint/2010/main" xmlns="" val="3677808597"/>
+      </p:ext>
+    </p:extLst>
+  </p:cSld>
+  <p:clrMapOvr>
+    <a:masterClrMapping/>
+  </p:clrMapOvr>
+  <p:timing>
+    <p:tnLst>
+      <p:par>
+        <p:cTn id="1" dur="indefinite" restart="never" nodeType="tmRoot"/>
+      </p:par>
+    </p:tnLst>
+  </p:timing>
+</p:sld>
+</file>
+
+<file path=ppt/slides/slide9.xml><?xml version="1.0" encoding="utf-8"?>
+<p:sld xmlns:a="http://schemas.openxmlformats.org/drawingml/2006/main" xmlns:r="http://schemas.openxmlformats.org/officeDocument/2006/relationships" xmlns:p="http://schemas.openxmlformats.org/presentationml/2006/main">
+  <p:cSld>
+    <p:spTree>
+      <p:nvGrpSpPr>
+        <p:cNvPr id="1" name=""/>
+        <p:cNvGrpSpPr/>
+        <p:nvPr/>
+      </p:nvGrpSpPr>
+      <p:grpSpPr>
+        <a:xfrm>
+          <a:off x="0" y="0"/>
+          <a:ext cx="0" cy="0"/>
+          <a:chOff x="0" y="0"/>
+          <a:chExt cx="0" cy="0"/>
+        </a:xfrm>
+      </p:grpSpPr>
+      <p:pic>
+        <p:nvPicPr>
+          <p:cNvPr id="3076" name="Picture 4" descr="ãppt background for kidsãçåçæå°çµæ"/>
+          <p:cNvPicPr>
+            <a:picLocks noChangeAspect="1" noChangeArrowheads="1"/>
+          </p:cNvPicPr>
+          <p:nvPr/>
+        </p:nvPicPr>
+        <p:blipFill>
+          <a:blip r:embed="rId2">
+            <a:extLst>
+              <a:ext uri="{28A0092B-C50C-407E-A947-70E740481C1C}">
+                <a14:useLocalDpi xmlns:a14="http://schemas.microsoft.com/office/drawing/2010/main" xmlns="" val="0"/>
+              </a:ext>
+            </a:extLst>
+          </a:blip>
+          <a:srcRect/>
+          <a:stretch>
+            <a:fillRect/>
+          </a:stretch>
+        </p:blipFill>
+        <p:spPr bwMode="auto">
+          <a:xfrm>
+            <a:off x="792" y="27434"/>
+            <a:ext cx="12191208" cy="6857555"/>
+          </a:xfrm>
+          <a:prstGeom prst="rect">
+            <a:avLst/>
+          </a:prstGeom>
+          <a:noFill/>
+          <a:extLst>
+            <a:ext uri="{909E8E84-426E-40DD-AFC4-6F175D3DCCD1}">
+              <a14:hiddenFill xmlns:a14="http://schemas.microsoft.com/office/drawing/2010/main" xmlns="">
+                <a:solidFill>
+                  <a:srgbClr val="FFFFFF"/>
+                </a:solidFill>
+              </a14:hiddenFill>
+            </a:ext>
+          </a:extLst>
+        </p:spPr>
+      </p:pic>
+      <p:sp>
+        <p:nvSpPr>
+          <p:cNvPr id="3" name="內容版面配置區 2"/>
+          <p:cNvSpPr>
+            <a:spLocks noGrp="1"/>
+          </p:cNvSpPr>
+          <p:nvPr>
+            <p:ph idx="1"/>
+          </p:nvPr>
+        </p:nvSpPr>
+        <p:spPr>
+          <a:xfrm>
+            <a:off x="719403" y="553204"/>
+            <a:ext cx="11521280" cy="6116156"/>
+          </a:xfrm>
+        </p:spPr>
+        <p:txBody>
+          <a:bodyPr>
+            <a:noAutofit/>
+          </a:bodyPr>
+          <a:lstStyle/>
+          <a:p>
+            <a:pPr marL="0" indent="0" algn="ctr">
+              <a:buNone/>
+            </a:pPr>
+            <a:r>
+              <a:rPr lang="en-US" altLang="zh-TW" sz="5400" b="1" dirty="0">
+                <a:solidFill>
+                  <a:srgbClr val="7030A0"/>
+                </a:solidFill>
+              </a:rPr>
+              <a:t>Action is the key</a:t>
+            </a:r>
+          </a:p>
+          <a:p>
+            <a:pPr marL="0" indent="0" algn="ctr">
+              <a:buNone/>
+            </a:pPr>
+            <a:r>
+              <a:rPr lang="en-US" altLang="zh-TW" sz="5400" b="1" dirty="0">
+                <a:solidFill>
+                  <a:srgbClr val="7030A0"/>
+                </a:solidFill>
+              </a:rPr>
+              <a:t>do it immediately</a:t>
+            </a:r>
+          </a:p>
+          <a:p>
+            <a:pPr marL="0" indent="0" algn="ctr">
+              <a:buNone/>
+            </a:pPr>
+            <a:r>
+              <a:rPr lang="en-US" altLang="zh-TW" sz="5400" b="1" dirty="0">
+                <a:solidFill>
+                  <a:srgbClr val="7030A0"/>
+                </a:solidFill>
+              </a:rPr>
+              <a:t>Joy you will receive</a:t>
+            </a:r>
+          </a:p>
+          <a:p>
+            <a:pPr marL="0" indent="0" algn="ctr">
+              <a:buNone/>
+            </a:pPr>
+            <a:r>
+              <a:rPr lang="en-US" altLang="zh-TW" sz="5400" b="1" dirty="0" smtClean="0">
+                <a:solidFill>
+                  <a:srgbClr val="7030A0"/>
+                </a:solidFill>
+              </a:rPr>
+              <a:t>Obedience</a:t>
+            </a:r>
+          </a:p>
+          <a:p>
+            <a:pPr marL="0" indent="0" algn="ctr">
+              <a:buNone/>
+            </a:pPr>
+            <a:r>
+              <a:rPr lang="en-US" altLang="zh-TW" sz="5400" b="1" dirty="0" smtClean="0">
+                <a:solidFill>
+                  <a:srgbClr val="7030A0"/>
+                </a:solidFill>
+              </a:rPr>
+              <a:t>is the very best way</a:t>
+            </a:r>
+          </a:p>
+          <a:p>
+            <a:pPr marL="0" indent="0" algn="ctr">
+              <a:buNone/>
+            </a:pPr>
+            <a:r>
+              <a:rPr lang="en-US" altLang="zh-TW" sz="5400" b="1" dirty="0" smtClean="0">
+                <a:solidFill>
+                  <a:srgbClr val="7030A0"/>
+                </a:solidFill>
+              </a:rPr>
+              <a:t>	  to show that you believe</a:t>
+            </a:r>
+            <a:endParaRPr lang="en-US" altLang="zh-TW" sz="5400" dirty="0">
+              <a:solidFill>
+                <a:srgbClr val="7030A0"/>
+              </a:solidFill>
+            </a:endParaRPr>
+          </a:p>
+        </p:txBody>
+      </p:sp>
+    </p:spTree>
+    <p:extLst>
+      <p:ext uri="{BB962C8B-B14F-4D97-AF65-F5344CB8AC3E}">
+        <p14:creationId xmlns:p14="http://schemas.microsoft.com/office/powerpoint/2010/main" xmlns="" val="2794649834"/>
+      </p:ext>
+    </p:extLst>
   </p:cSld>
   <p:clrMapOvr>
     <a:masterClrMapping/>
@@ -2188,7 +3464,7 @@
   <a:extraClrSchemeLst/>
   <a:extLst>
     <a:ext uri="{05A4C25C-085E-4340-85A3-A5531E510DB2}">
-      <thm15:themeFamily xmlns="" xmlns:thm15="http://schemas.microsoft.com/office/thememl/2012/main" name="Celestial" id="{C4BB2A3D-0E93-4C5F-B0D2-9D3FCE089CC5}" vid="{42E5908D-19A2-46FD-89FA-638B126129EF}"/>
+      <thm15:themeFamily xmlns:thm15="http://schemas.microsoft.com/office/thememl/2012/main" xmlns="" name="Celestial" id="{C4BB2A3D-0E93-4C5F-B0D2-9D3FCE089CC5}" vid="{42E5908D-19A2-46FD-89FA-638B126129EF}"/>
     </a:ext>
   </a:extLst>
 </a:theme>
